--- a/presentacion/presentacion.pptx
+++ b/presentacion/presentacion.pptx
@@ -207,7 +207,7 @@
           </a:lstStyle>
           <a:p>
             <a:fld id="{8C7CF6F5-7976-FE48-8B3A-0454A67B99D9}" type="datetimeFigureOut">
-              <a:t>12/21/17</a:t>
+              <a:t>25/12/17</a:t>
             </a:fld>
             <a:endParaRPr lang="en-US"/>
           </a:p>
@@ -659,7 +659,7 @@
           <a:p>
             <a:fld id="{4AAD347D-5ACD-4C99-B74B-A9C85AD731AF}" type="datetimeFigureOut">
               <a:rPr lang="en-US" dirty="0"/>
-              <a:t>12/21/17</a:t>
+              <a:t>12/25/17</a:t>
             </a:fld>
             <a:endParaRPr lang="en-US" dirty="0"/>
           </a:p>
@@ -929,7 +929,7 @@
           <a:p>
             <a:fld id="{4509A250-FF31-4206-8172-F9D3106AACB1}" type="datetimeFigureOut">
               <a:rPr lang="en-US" dirty="0"/>
-              <a:t>12/21/17</a:t>
+              <a:t>12/25/17</a:t>
             </a:fld>
             <a:endParaRPr lang="en-US" dirty="0"/>
           </a:p>
@@ -1118,7 +1118,7 @@
           <a:p>
             <a:fld id="{4509A250-FF31-4206-8172-F9D3106AACB1}" type="datetimeFigureOut">
               <a:rPr lang="en-US" dirty="0"/>
-              <a:t>12/21/17</a:t>
+              <a:t>12/25/17</a:t>
             </a:fld>
             <a:endParaRPr lang="en-US" dirty="0"/>
           </a:p>
@@ -1386,7 +1386,7 @@
           <a:p>
             <a:fld id="{4509A250-FF31-4206-8172-F9D3106AACB1}" type="datetimeFigureOut">
               <a:rPr lang="en-US" dirty="0"/>
-              <a:t>12/21/17</a:t>
+              <a:t>12/25/17</a:t>
             </a:fld>
             <a:endParaRPr lang="en-US" dirty="0"/>
           </a:p>
@@ -1722,7 +1722,7 @@
           <a:p>
             <a:fld id="{4509A250-FF31-4206-8172-F9D3106AACB1}" type="datetimeFigureOut">
               <a:rPr lang="en-US" dirty="0"/>
-              <a:t>12/21/17</a:t>
+              <a:t>12/25/17</a:t>
             </a:fld>
             <a:endParaRPr lang="en-US" dirty="0"/>
           </a:p>
@@ -2340,7 +2340,7 @@
           <a:p>
             <a:fld id="{4509A250-FF31-4206-8172-F9D3106AACB1}" type="datetimeFigureOut">
               <a:rPr lang="en-US" dirty="0"/>
-              <a:t>12/21/17</a:t>
+              <a:t>12/25/17</a:t>
             </a:fld>
             <a:endParaRPr lang="en-US" dirty="0"/>
           </a:p>
@@ -3195,7 +3195,7 @@
           <a:p>
             <a:fld id="{4509A250-FF31-4206-8172-F9D3106AACB1}" type="datetimeFigureOut">
               <a:rPr lang="en-US" dirty="0"/>
-              <a:t>12/21/17</a:t>
+              <a:t>12/25/17</a:t>
             </a:fld>
             <a:endParaRPr lang="en-US" dirty="0"/>
           </a:p>
@@ -3360,7 +3360,7 @@
           <a:p>
             <a:fld id="{4509A250-FF31-4206-8172-F9D3106AACB1}" type="datetimeFigureOut">
               <a:rPr lang="en-US" dirty="0"/>
-              <a:t>12/21/17</a:t>
+              <a:t>12/25/17</a:t>
             </a:fld>
             <a:endParaRPr lang="en-US" dirty="0"/>
           </a:p>
@@ -3535,7 +3535,7 @@
           <a:p>
             <a:fld id="{4509A250-FF31-4206-8172-F9D3106AACB1}" type="datetimeFigureOut">
               <a:rPr lang="en-US" dirty="0"/>
-              <a:t>12/21/17</a:t>
+              <a:t>12/25/17</a:t>
             </a:fld>
             <a:endParaRPr lang="en-US" dirty="0"/>
           </a:p>
@@ -3700,7 +3700,7 @@
           <a:p>
             <a:fld id="{4509A250-FF31-4206-8172-F9D3106AACB1}" type="datetimeFigureOut">
               <a:rPr lang="en-US" dirty="0"/>
-              <a:t>12/21/17</a:t>
+              <a:t>12/25/17</a:t>
             </a:fld>
             <a:endParaRPr lang="en-US" dirty="0"/>
           </a:p>
@@ -3942,7 +3942,7 @@
           <a:p>
             <a:fld id="{9796027F-7875-4030-9381-8BD8C4F21935}" type="datetimeFigureOut">
               <a:rPr lang="en-US" dirty="0"/>
-              <a:t>12/21/17</a:t>
+              <a:t>12/25/17</a:t>
             </a:fld>
             <a:endParaRPr lang="en-US" dirty="0"/>
           </a:p>
@@ -4229,7 +4229,7 @@
           <a:p>
             <a:fld id="{9796027F-7875-4030-9381-8BD8C4F21935}" type="datetimeFigureOut">
               <a:rPr lang="en-US" dirty="0"/>
-              <a:t>12/21/17</a:t>
+              <a:t>12/25/17</a:t>
             </a:fld>
             <a:endParaRPr lang="en-US" dirty="0"/>
           </a:p>
@@ -4668,7 +4668,7 @@
           <a:p>
             <a:fld id="{9796027F-7875-4030-9381-8BD8C4F21935}" type="datetimeFigureOut">
               <a:rPr lang="en-US" dirty="0"/>
-              <a:t>12/21/17</a:t>
+              <a:t>12/25/17</a:t>
             </a:fld>
             <a:endParaRPr lang="en-US" dirty="0"/>
           </a:p>
@@ -4781,7 +4781,7 @@
           <a:p>
             <a:fld id="{4509A250-FF31-4206-8172-F9D3106AACB1}" type="datetimeFigureOut">
               <a:rPr lang="en-US" dirty="0"/>
-              <a:t>12/21/17</a:t>
+              <a:t>12/25/17</a:t>
             </a:fld>
             <a:endParaRPr lang="en-US" dirty="0"/>
           </a:p>
@@ -4871,7 +4871,7 @@
           <a:p>
             <a:fld id="{4509A250-FF31-4206-8172-F9D3106AACB1}" type="datetimeFigureOut">
               <a:rPr lang="en-US" dirty="0"/>
-              <a:t>12/21/17</a:t>
+              <a:t>12/25/17</a:t>
             </a:fld>
             <a:endParaRPr lang="en-US" dirty="0"/>
           </a:p>
@@ -5145,7 +5145,7 @@
           <a:p>
             <a:fld id="{4509A250-FF31-4206-8172-F9D3106AACB1}" type="datetimeFigureOut">
               <a:rPr lang="en-US" dirty="0"/>
-              <a:t>12/21/17</a:t>
+              <a:t>12/25/17</a:t>
             </a:fld>
             <a:endParaRPr lang="en-US" dirty="0"/>
           </a:p>
@@ -5415,7 +5415,7 @@
           <a:p>
             <a:fld id="{4509A250-FF31-4206-8172-F9D3106AACB1}" type="datetimeFigureOut">
               <a:rPr lang="en-US" dirty="0"/>
-              <a:t>12/21/17</a:t>
+              <a:t>12/25/17</a:t>
             </a:fld>
             <a:endParaRPr lang="en-US" dirty="0"/>
           </a:p>
@@ -5839,7 +5839,7 @@
           <a:p>
             <a:fld id="{4AAD347D-5ACD-4C99-B74B-A9C85AD731AF}" type="datetimeFigureOut">
               <a:rPr lang="en-US" dirty="0"/>
-              <a:t>12/21/17</a:t>
+              <a:t>12/25/17</a:t>
             </a:fld>
             <a:endParaRPr lang="en-US" dirty="0"/>
           </a:p>
@@ -6419,6 +6419,13 @@
   <p:clrMapOvr>
     <a:masterClrMapping/>
   </p:clrMapOvr>
+  <p:timing>
+    <p:tnLst>
+      <p:par>
+        <p:cTn id="1" dur="indefinite" restart="never" nodeType="tmRoot"/>
+      </p:par>
+    </p:tnLst>
+  </p:timing>
 </p:sld>
 </file>
 
@@ -6458,7 +6465,6 @@
               <a:rPr lang="en-US"/>
               <a:t>Informe Post Morten</a:t>
             </a:r>
-            <a:endParaRPr lang="en-US"/>
           </a:p>
         </p:txBody>
       </p:sp>
@@ -6612,6 +6618,13 @@
   <p:clrMapOvr>
     <a:masterClrMapping/>
   </p:clrMapOvr>
+  <p:timing>
+    <p:tnLst>
+      <p:par>
+        <p:cTn id="1" dur="indefinite" restart="never" nodeType="tmRoot"/>
+      </p:par>
+    </p:tnLst>
+  </p:timing>
 </p:sld>
 </file>
 
@@ -6659,6 +6672,42 @@
           </a:p>
         </p:txBody>
       </p:sp>
+      <p:sp>
+        <p:nvSpPr>
+          <p:cNvPr id="3" name="TextBox 2"/>
+          <p:cNvSpPr txBox="1"/>
+          <p:nvPr/>
+        </p:nvSpPr>
+        <p:spPr>
+          <a:xfrm>
+            <a:off x="1473453" y="4161033"/>
+            <a:ext cx="4110421" cy="369332"/>
+          </a:xfrm>
+          <a:prstGeom prst="rect">
+            <a:avLst/>
+          </a:prstGeom>
+          <a:noFill/>
+        </p:spPr>
+        <p:txBody>
+          <a:bodyPr wrap="none" rtlCol="0">
+            <a:spAutoFit/>
+          </a:bodyPr>
+          <a:lstStyle/>
+          <a:p>
+            <a:r>
+              <a:rPr lang="en-US" b="1"/>
+              <a:t>VIDEO DEMO: </a:t>
+            </a:r>
+            <a:r>
+              <a:rPr lang="en-US">
+                <a:hlinkClick r:id="rId2"/>
+              </a:rPr>
+              <a:t>https://goo.gl/jsVz8C</a:t>
+            </a:r>
+            <a:endParaRPr lang="en-US" b="1"/>
+          </a:p>
+        </p:txBody>
+      </p:sp>
     </p:spTree>
     <p:extLst>
       <p:ext uri="{BB962C8B-B14F-4D97-AF65-F5344CB8AC3E}">
@@ -6669,6 +6718,13 @@
   <p:clrMapOvr>
     <a:masterClrMapping/>
   </p:clrMapOvr>
+  <p:timing>
+    <p:tnLst>
+      <p:par>
+        <p:cTn id="1" dur="indefinite" restart="never" nodeType="tmRoot"/>
+      </p:par>
+    </p:tnLst>
+  </p:timing>
 </p:sld>
 </file>
 
@@ -6749,6 +6805,13 @@
   <p:clrMapOvr>
     <a:masterClrMapping/>
   </p:clrMapOvr>
+  <p:timing>
+    <p:tnLst>
+      <p:par>
+        <p:cTn id="1" dur="indefinite" restart="never" nodeType="tmRoot"/>
+      </p:par>
+    </p:tnLst>
+  </p:timing>
 </p:sld>
 </file>
 
@@ -6945,7 +7008,6 @@
                         <a:rPr lang="en-US"/>
                         <a:t>DESARROLLADOR</a:t>
                       </a:r>
-                      <a:endParaRPr lang="en-US"/>
                     </a:p>
                   </a:txBody>
                   <a:tcPr/>
@@ -6979,7 +7041,6 @@
                         <a:rPr lang="en-US"/>
                         <a:t>DESARROLLADOR</a:t>
                       </a:r>
-                      <a:endParaRPr lang="en-US"/>
                     </a:p>
                   </a:txBody>
                   <a:tcPr/>
@@ -6999,6 +7060,13 @@
   <p:clrMapOvr>
     <a:masterClrMapping/>
   </p:clrMapOvr>
+  <p:timing>
+    <p:tnLst>
+      <p:par>
+        <p:cTn id="1" dur="indefinite" restart="never" nodeType="tmRoot"/>
+      </p:par>
+    </p:tnLst>
+  </p:timing>
 </p:sld>
 </file>
 
@@ -7192,6 +7260,13 @@
   <p:clrMapOvr>
     <a:masterClrMapping/>
   </p:clrMapOvr>
+  <p:timing>
+    <p:tnLst>
+      <p:par>
+        <p:cTn id="1" dur="indefinite" restart="never" nodeType="tmRoot"/>
+      </p:par>
+    </p:tnLst>
+  </p:timing>
 </p:sld>
 </file>
 
@@ -7317,6 +7392,13 @@
   <p:clrMapOvr>
     <a:masterClrMapping/>
   </p:clrMapOvr>
+  <p:timing>
+    <p:tnLst>
+      <p:par>
+        <p:cTn id="1" dur="indefinite" restart="never" nodeType="tmRoot"/>
+      </p:par>
+    </p:tnLst>
+  </p:timing>
 </p:sld>
 </file>
 
@@ -7470,6 +7552,13 @@
   <p:clrMapOvr>
     <a:masterClrMapping/>
   </p:clrMapOvr>
+  <p:timing>
+    <p:tnLst>
+      <p:par>
+        <p:cTn id="1" dur="indefinite" restart="never" nodeType="tmRoot"/>
+      </p:par>
+    </p:tnLst>
+  </p:timing>
 </p:sld>
 </file>
 
@@ -7671,6 +7760,13 @@
   <p:clrMapOvr>
     <a:masterClrMapping/>
   </p:clrMapOvr>
+  <p:timing>
+    <p:tnLst>
+      <p:par>
+        <p:cTn id="1" dur="indefinite" restart="never" nodeType="tmRoot"/>
+      </p:par>
+    </p:tnLst>
+  </p:timing>
 </p:sld>
 </file>
 
@@ -7979,6 +8075,13 @@
   <p:clrMapOvr>
     <a:masterClrMapping/>
   </p:clrMapOvr>
+  <p:timing>
+    <p:tnLst>
+      <p:par>
+        <p:cTn id="1" dur="indefinite" restart="never" nodeType="tmRoot"/>
+      </p:par>
+    </p:tnLst>
+  </p:timing>
 </p:sld>
 </file>
 
@@ -8278,6 +8381,13 @@
   <p:clrMapOvr>
     <a:masterClrMapping/>
   </p:clrMapOvr>
+  <p:timing>
+    <p:tnLst>
+      <p:par>
+        <p:cTn id="1" dur="indefinite" restart="never" nodeType="tmRoot"/>
+      </p:par>
+    </p:tnLst>
+  </p:timing>
 </p:sld>
 </file>
 
@@ -8656,6 +8766,13 @@
   <p:clrMapOvr>
     <a:masterClrMapping/>
   </p:clrMapOvr>
+  <p:timing>
+    <p:tnLst>
+      <p:par>
+        <p:cTn id="1" dur="indefinite" restart="never" nodeType="tmRoot"/>
+      </p:par>
+    </p:tnLst>
+  </p:timing>
 </p:sld>
 </file>
 
